--- a/src/jungkumjoo/p20190401/190401.pptx
+++ b/src/jungkumjoo/p20190401/190401.pptx
@@ -9831,8 +9831,208 @@
         </p:blipFill>
         <p:spPr>
           <a:xfrm>
-            <a:off x="2537916" y="2411125"/>
+            <a:off x="2453141" y="2466543"/>
             <a:ext cx="7116168" cy="3291833"/>
+          </a:xfrm>
+          <a:prstGeom prst="rect">
+            <a:avLst/>
+          </a:prstGeom>
+        </p:spPr>
+      </p:pic>
+    </p:spTree>
+    <p:extLst>
+      <p:ext uri="{BB962C8B-B14F-4D97-AF65-F5344CB8AC3E}">
+        <p14:creationId xmlns:p14="http://schemas.microsoft.com/office/powerpoint/2010/main" val="3339647904"/>
+      </p:ext>
+    </p:extLst>
+  </p:cSld>
+  <p:clrMapOvr>
+    <a:masterClrMapping/>
+  </p:clrMapOvr>
+</p:sld>
+</file>
+
+<file path=ppt/slides/slide7.xml><?xml version="1.0" encoding="utf-8"?>
+<p:sld xmlns:a="http://schemas.openxmlformats.org/drawingml/2006/main" xmlns:r="http://schemas.openxmlformats.org/officeDocument/2006/relationships" xmlns:p="http://schemas.openxmlformats.org/presentationml/2006/main">
+  <p:cSld>
+    <p:spTree>
+      <p:nvGrpSpPr>
+        <p:cNvPr id="1" name=""/>
+        <p:cNvGrpSpPr/>
+        <p:nvPr/>
+      </p:nvGrpSpPr>
+      <p:grpSpPr>
+        <a:xfrm>
+          <a:off x="0" y="0"/>
+          <a:ext cx="0" cy="0"/>
+          <a:chOff x="0" y="0"/>
+          <a:chExt cx="0" cy="0"/>
+        </a:xfrm>
+      </p:grpSpPr>
+      <p:pic>
+        <p:nvPicPr>
+          <p:cNvPr id="2" name="그림 1">
+            <a:extLst>
+              <a:ext uri="{FF2B5EF4-FFF2-40B4-BE49-F238E27FC236}">
+                <a16:creationId xmlns:a16="http://schemas.microsoft.com/office/drawing/2014/main" id="{62D68E11-EBCC-44B4-B981-2492D50A123A}"/>
+              </a:ext>
+            </a:extLst>
+          </p:cNvPr>
+          <p:cNvPicPr>
+            <a:picLocks noChangeAspect="1"/>
+          </p:cNvPicPr>
+          <p:nvPr/>
+        </p:nvPicPr>
+        <p:blipFill>
+          <a:blip r:embed="rId2"/>
+          <a:stretch>
+            <a:fillRect/>
+          </a:stretch>
+        </p:blipFill>
+        <p:spPr>
+          <a:xfrm>
+            <a:off x="3068893" y="2195860"/>
+            <a:ext cx="6905625" cy="4257675"/>
+          </a:xfrm>
+          <a:prstGeom prst="rect">
+            <a:avLst/>
+          </a:prstGeom>
+        </p:spPr>
+      </p:pic>
+      <p:sp>
+        <p:nvSpPr>
+          <p:cNvPr id="3" name="TextBox 2">
+            <a:extLst>
+              <a:ext uri="{FF2B5EF4-FFF2-40B4-BE49-F238E27FC236}">
+                <a16:creationId xmlns:a16="http://schemas.microsoft.com/office/drawing/2014/main" id="{14250609-25C0-4DEF-97F7-695987C90E72}"/>
+              </a:ext>
+            </a:extLst>
+          </p:cNvPr>
+          <p:cNvSpPr txBox="1"/>
+          <p:nvPr/>
+        </p:nvSpPr>
+        <p:spPr>
+          <a:xfrm>
+            <a:off x="1307289" y="1231690"/>
+            <a:ext cx="9327618" cy="707886"/>
+          </a:xfrm>
+          <a:prstGeom prst="rect">
+            <a:avLst/>
+          </a:prstGeom>
+          <a:noFill/>
+        </p:spPr>
+        <p:txBody>
+          <a:bodyPr wrap="none" rtlCol="0">
+            <a:spAutoFit/>
+          </a:bodyPr>
+          <a:lstStyle/>
+          <a:p>
+            <a:r>
+              <a:rPr lang="en-US" altLang="ko-KR" sz="2000" dirty="0"/>
+              <a:t>forward( ) </a:t>
+            </a:r>
+            <a:r>
+              <a:rPr lang="ko-KR" altLang="en-US" sz="2000" dirty="0"/>
+              <a:t>메소드는 클라이언트의 요청으로 생성되는 </a:t>
+            </a:r>
+            <a:r>
+              <a:rPr lang="en-US" altLang="ko-KR" sz="2000" dirty="0"/>
+              <a:t>Request</a:t>
+            </a:r>
+            <a:r>
+              <a:rPr lang="ko-KR" altLang="en-US" sz="2000" dirty="0"/>
+              <a:t>와 </a:t>
+            </a:r>
+            <a:r>
+              <a:rPr lang="en-US" altLang="ko-KR" sz="2000" dirty="0"/>
+              <a:t>Response </a:t>
+            </a:r>
+            <a:r>
+              <a:rPr lang="ko-KR" altLang="en-US" sz="2000" dirty="0"/>
+              <a:t>객체를 </a:t>
+            </a:r>
+            <a:endParaRPr lang="en-US" altLang="ko-KR" sz="2000" dirty="0"/>
+          </a:p>
+          <a:p>
+            <a:pPr algn="ctr"/>
+            <a:r>
+              <a:rPr lang="ko-KR" altLang="en-US" sz="2000" dirty="0"/>
+              <a:t>전달한다</a:t>
+            </a:r>
+            <a:r>
+              <a:rPr lang="en-US" altLang="ko-KR" sz="2000" dirty="0"/>
+              <a:t>.</a:t>
+            </a:r>
+            <a:endParaRPr lang="ko-KR" altLang="en-US" sz="2000" dirty="0"/>
+          </a:p>
+        </p:txBody>
+      </p:sp>
+      <p:pic>
+        <p:nvPicPr>
+          <p:cNvPr id="11" name="그림 10">
+            <a:extLst>
+              <a:ext uri="{FF2B5EF4-FFF2-40B4-BE49-F238E27FC236}">
+                <a16:creationId xmlns:a16="http://schemas.microsoft.com/office/drawing/2014/main" id="{780F725C-3FBD-487B-8BF4-82EDE93605A2}"/>
+              </a:ext>
+            </a:extLst>
+          </p:cNvPr>
+          <p:cNvPicPr>
+            <a:picLocks noChangeAspect="1"/>
+          </p:cNvPicPr>
+          <p:nvPr/>
+        </p:nvPicPr>
+        <p:blipFill>
+          <a:blip r:embed="rId3">
+            <a:extLst>
+              <a:ext uri="{28A0092B-C50C-407E-A947-70E740481C1C}">
+                <a14:useLocalDpi xmlns:a14="http://schemas.microsoft.com/office/drawing/2010/main" val="0"/>
+              </a:ext>
+            </a:extLst>
+          </a:blip>
+          <a:stretch>
+            <a:fillRect/>
+          </a:stretch>
+        </p:blipFill>
+        <p:spPr>
+          <a:xfrm>
+            <a:off x="162830" y="716413"/>
+            <a:ext cx="7239201" cy="3377205"/>
+          </a:xfrm>
+          <a:prstGeom prst="rect">
+            <a:avLst/>
+          </a:prstGeom>
+        </p:spPr>
+      </p:pic>
+      <p:pic>
+        <p:nvPicPr>
+          <p:cNvPr id="13" name="그림 12">
+            <a:extLst>
+              <a:ext uri="{FF2B5EF4-FFF2-40B4-BE49-F238E27FC236}">
+                <a16:creationId xmlns:a16="http://schemas.microsoft.com/office/drawing/2014/main" id="{CF2EFA0A-FA61-48AA-8C79-BCFCDDBEB2D4}"/>
+              </a:ext>
+            </a:extLst>
+          </p:cNvPr>
+          <p:cNvPicPr>
+            <a:picLocks noChangeAspect="1"/>
+          </p:cNvPicPr>
+          <p:nvPr/>
+        </p:nvPicPr>
+        <p:blipFill>
+          <a:blip r:embed="rId4">
+            <a:extLst>
+              <a:ext uri="{28A0092B-C50C-407E-A947-70E740481C1C}">
+                <a14:useLocalDpi xmlns:a14="http://schemas.microsoft.com/office/drawing/2010/main" val="0"/>
+              </a:ext>
+            </a:extLst>
+          </a:blip>
+          <a:stretch>
+            <a:fillRect/>
+          </a:stretch>
+        </p:blipFill>
+        <p:spPr>
+          <a:xfrm>
+            <a:off x="6739517" y="2578352"/>
+            <a:ext cx="5289653" cy="4131467"/>
           </a:xfrm>
           <a:prstGeom prst="rect">
             <a:avLst/>
@@ -9841,10 +10041,10 @@
       </p:pic>
       <p:grpSp>
         <p:nvGrpSpPr>
-          <p:cNvPr id="8" name="그룹 7">
+          <p:cNvPr id="4" name="그룹 3">
             <a:extLst>
               <a:ext uri="{FF2B5EF4-FFF2-40B4-BE49-F238E27FC236}">
-                <a16:creationId xmlns:a16="http://schemas.microsoft.com/office/drawing/2014/main" id="{2316DB0C-B331-405E-B135-B80A037B459A}"/>
+                <a16:creationId xmlns:a16="http://schemas.microsoft.com/office/drawing/2014/main" id="{6E021CC6-7E38-4DBD-9CCA-3BD4A48030BA}"/>
               </a:ext>
             </a:extLst>
           </p:cNvPr>
@@ -9853,18 +10053,18 @@
         </p:nvGrpSpPr>
         <p:grpSpPr>
           <a:xfrm>
-            <a:off x="3106431" y="5539665"/>
+            <a:off x="1185299" y="4325433"/>
             <a:ext cx="2796466" cy="708942"/>
-            <a:chOff x="1001406" y="5135897"/>
+            <a:chOff x="1859554" y="5587211"/>
             <a:chExt cx="2796466" cy="708942"/>
           </a:xfrm>
         </p:grpSpPr>
         <p:sp>
           <p:nvSpPr>
-            <p:cNvPr id="7" name="사각형: 둥근 모서리 6">
+            <p:cNvPr id="9" name="사각형: 둥근 모서리 8">
               <a:extLst>
                 <a:ext uri="{FF2B5EF4-FFF2-40B4-BE49-F238E27FC236}">
-                  <a16:creationId xmlns:a16="http://schemas.microsoft.com/office/drawing/2014/main" id="{6C7E0EBF-AB4D-4076-B81F-6315AC3CF3DC}"/>
+                  <a16:creationId xmlns:a16="http://schemas.microsoft.com/office/drawing/2014/main" id="{21EAF836-FF3B-4057-ACE2-631BECD1C034}"/>
                 </a:ext>
               </a:extLst>
             </p:cNvPr>
@@ -9873,7 +10073,7 @@
           </p:nvSpPr>
           <p:spPr>
             <a:xfrm>
-              <a:off x="1001406" y="5135897"/>
+              <a:off x="1859554" y="5587211"/>
               <a:ext cx="2796466" cy="708942"/>
             </a:xfrm>
             <a:prstGeom prst="roundRect">
@@ -9905,10 +10105,10 @@
         </p:sp>
         <p:sp>
           <p:nvSpPr>
-            <p:cNvPr id="6" name="TextBox 5">
+            <p:cNvPr id="10" name="TextBox 9">
               <a:extLst>
                 <a:ext uri="{FF2B5EF4-FFF2-40B4-BE49-F238E27FC236}">
-                  <a16:creationId xmlns:a16="http://schemas.microsoft.com/office/drawing/2014/main" id="{01E62274-25D2-40E0-9738-C6BA30CE7407}"/>
+                  <a16:creationId xmlns:a16="http://schemas.microsoft.com/office/drawing/2014/main" id="{DDEEAAD2-5405-4EAC-8F54-9F2D4AB48263}"/>
                 </a:ext>
               </a:extLst>
             </p:cNvPr>
@@ -9917,7 +10117,7 @@
           </p:nvSpPr>
           <p:spPr>
             <a:xfrm>
-              <a:off x="1001406" y="5299190"/>
+              <a:off x="1955438" y="5741627"/>
               <a:ext cx="2604698" cy="400110"/>
             </a:xfrm>
             <a:prstGeom prst="rect">
@@ -9948,250 +10148,6 @@
           </p:txBody>
         </p:sp>
       </p:grpSp>
-    </p:spTree>
-    <p:extLst>
-      <p:ext uri="{BB962C8B-B14F-4D97-AF65-F5344CB8AC3E}">
-        <p14:creationId xmlns:p14="http://schemas.microsoft.com/office/powerpoint/2010/main" val="3339647904"/>
-      </p:ext>
-    </p:extLst>
-  </p:cSld>
-  <p:clrMapOvr>
-    <a:masterClrMapping/>
-  </p:clrMapOvr>
-  <p:timing>
-    <p:tnLst>
-      <p:par>
-        <p:cTn id="1" dur="indefinite" restart="never" nodeType="tmRoot">
-          <p:childTnLst>
-            <p:seq concurrent="1" nextAc="seek">
-              <p:cTn id="2" dur="indefinite" nodeType="mainSeq">
-                <p:childTnLst>
-                  <p:par>
-                    <p:cTn id="3" fill="hold">
-                      <p:stCondLst>
-                        <p:cond delay="indefinite"/>
-                      </p:stCondLst>
-                      <p:childTnLst>
-                        <p:par>
-                          <p:cTn id="4" fill="hold">
-                            <p:stCondLst>
-                              <p:cond delay="0"/>
-                            </p:stCondLst>
-                            <p:childTnLst>
-                              <p:par>
-                                <p:cTn id="5" presetID="1" presetClass="entr" presetSubtype="0" fill="hold" nodeType="clickEffect">
-                                  <p:stCondLst>
-                                    <p:cond delay="0"/>
-                                  </p:stCondLst>
-                                  <p:childTnLst>
-                                    <p:set>
-                                      <p:cBhvr>
-                                        <p:cTn id="6" dur="1" fill="hold">
-                                          <p:stCondLst>
-                                            <p:cond delay="0"/>
-                                          </p:stCondLst>
-                                        </p:cTn>
-                                        <p:tgtEl>
-                                          <p:spTgt spid="8"/>
-                                        </p:tgtEl>
-                                        <p:attrNameLst>
-                                          <p:attrName>style.visibility</p:attrName>
-                                        </p:attrNameLst>
-                                      </p:cBhvr>
-                                      <p:to>
-                                        <p:strVal val="visible"/>
-                                      </p:to>
-                                    </p:set>
-                                  </p:childTnLst>
-                                </p:cTn>
-                              </p:par>
-                            </p:childTnLst>
-                          </p:cTn>
-                        </p:par>
-                      </p:childTnLst>
-                    </p:cTn>
-                  </p:par>
-                </p:childTnLst>
-              </p:cTn>
-              <p:prevCondLst>
-                <p:cond evt="onPrev" delay="0">
-                  <p:tgtEl>
-                    <p:sldTgt/>
-                  </p:tgtEl>
-                </p:cond>
-              </p:prevCondLst>
-              <p:nextCondLst>
-                <p:cond evt="onNext" delay="0">
-                  <p:tgtEl>
-                    <p:sldTgt/>
-                  </p:tgtEl>
-                </p:cond>
-              </p:nextCondLst>
-            </p:seq>
-          </p:childTnLst>
-        </p:cTn>
-      </p:par>
-    </p:tnLst>
-  </p:timing>
-</p:sld>
-</file>
-
-<file path=ppt/slides/slide7.xml><?xml version="1.0" encoding="utf-8"?>
-<p:sld xmlns:a="http://schemas.openxmlformats.org/drawingml/2006/main" xmlns:r="http://schemas.openxmlformats.org/officeDocument/2006/relationships" xmlns:p="http://schemas.openxmlformats.org/presentationml/2006/main">
-  <p:cSld>
-    <p:spTree>
-      <p:nvGrpSpPr>
-        <p:cNvPr id="1" name=""/>
-        <p:cNvGrpSpPr/>
-        <p:nvPr/>
-      </p:nvGrpSpPr>
-      <p:grpSpPr>
-        <a:xfrm>
-          <a:off x="0" y="0"/>
-          <a:ext cx="0" cy="0"/>
-          <a:chOff x="0" y="0"/>
-          <a:chExt cx="0" cy="0"/>
-        </a:xfrm>
-      </p:grpSpPr>
-      <p:sp>
-        <p:nvSpPr>
-          <p:cNvPr id="3" name="TextBox 2">
-            <a:extLst>
-              <a:ext uri="{FF2B5EF4-FFF2-40B4-BE49-F238E27FC236}">
-                <a16:creationId xmlns:a16="http://schemas.microsoft.com/office/drawing/2014/main" id="{14250609-25C0-4DEF-97F7-695987C90E72}"/>
-              </a:ext>
-            </a:extLst>
-          </p:cNvPr>
-          <p:cNvSpPr txBox="1"/>
-          <p:nvPr/>
-        </p:nvSpPr>
-        <p:spPr>
-          <a:xfrm>
-            <a:off x="1307289" y="1231690"/>
-            <a:ext cx="9327618" cy="707886"/>
-          </a:xfrm>
-          <a:prstGeom prst="rect">
-            <a:avLst/>
-          </a:prstGeom>
-          <a:noFill/>
-        </p:spPr>
-        <p:txBody>
-          <a:bodyPr wrap="none" rtlCol="0">
-            <a:spAutoFit/>
-          </a:bodyPr>
-          <a:lstStyle/>
-          <a:p>
-            <a:r>
-              <a:rPr lang="en-US" altLang="ko-KR" sz="2000" dirty="0"/>
-              <a:t>forward( ) </a:t>
-            </a:r>
-            <a:r>
-              <a:rPr lang="ko-KR" altLang="en-US" sz="2000" dirty="0"/>
-              <a:t>메소드는 클라이언트의 요청으로 생성되는 </a:t>
-            </a:r>
-            <a:r>
-              <a:rPr lang="en-US" altLang="ko-KR" sz="2000" dirty="0"/>
-              <a:t>Request</a:t>
-            </a:r>
-            <a:r>
-              <a:rPr lang="ko-KR" altLang="en-US" sz="2000" dirty="0"/>
-              <a:t>와 </a:t>
-            </a:r>
-            <a:r>
-              <a:rPr lang="en-US" altLang="ko-KR" sz="2000" dirty="0"/>
-              <a:t>Response </a:t>
-            </a:r>
-            <a:r>
-              <a:rPr lang="ko-KR" altLang="en-US" sz="2000" dirty="0"/>
-              <a:t>객체를 </a:t>
-            </a:r>
-            <a:endParaRPr lang="en-US" altLang="ko-KR" sz="2000" dirty="0"/>
-          </a:p>
-          <a:p>
-            <a:r>
-              <a:rPr lang="ko-KR" altLang="en-US" sz="2000" dirty="0"/>
-              <a:t>전달하고 요청의 수행 결과를 클라이언트에게 응답하도록 하는 메소드이다</a:t>
-            </a:r>
-            <a:r>
-              <a:rPr lang="en-US" altLang="ko-KR" sz="2000" dirty="0"/>
-              <a:t>.</a:t>
-            </a:r>
-            <a:endParaRPr lang="ko-KR" altLang="en-US" sz="2000" dirty="0"/>
-          </a:p>
-        </p:txBody>
-      </p:sp>
-      <p:pic>
-        <p:nvPicPr>
-          <p:cNvPr id="11" name="그림 10">
-            <a:extLst>
-              <a:ext uri="{FF2B5EF4-FFF2-40B4-BE49-F238E27FC236}">
-                <a16:creationId xmlns:a16="http://schemas.microsoft.com/office/drawing/2014/main" id="{780F725C-3FBD-487B-8BF4-82EDE93605A2}"/>
-              </a:ext>
-            </a:extLst>
-          </p:cNvPr>
-          <p:cNvPicPr>
-            <a:picLocks noChangeAspect="1"/>
-          </p:cNvPicPr>
-          <p:nvPr/>
-        </p:nvPicPr>
-        <p:blipFill>
-          <a:blip r:embed="rId2">
-            <a:extLst>
-              <a:ext uri="{28A0092B-C50C-407E-A947-70E740481C1C}">
-                <a14:useLocalDpi xmlns:a14="http://schemas.microsoft.com/office/drawing/2010/main" val="0"/>
-              </a:ext>
-            </a:extLst>
-          </a:blip>
-          <a:stretch>
-            <a:fillRect/>
-          </a:stretch>
-        </p:blipFill>
-        <p:spPr>
-          <a:xfrm>
-            <a:off x="440499" y="855279"/>
-            <a:ext cx="7239201" cy="3377205"/>
-          </a:xfrm>
-          <a:prstGeom prst="rect">
-            <a:avLst/>
-          </a:prstGeom>
-        </p:spPr>
-      </p:pic>
-      <p:pic>
-        <p:nvPicPr>
-          <p:cNvPr id="13" name="그림 12">
-            <a:extLst>
-              <a:ext uri="{FF2B5EF4-FFF2-40B4-BE49-F238E27FC236}">
-                <a16:creationId xmlns:a16="http://schemas.microsoft.com/office/drawing/2014/main" id="{CF2EFA0A-FA61-48AA-8C79-BCFCDDBEB2D4}"/>
-              </a:ext>
-            </a:extLst>
-          </p:cNvPr>
-          <p:cNvPicPr>
-            <a:picLocks noChangeAspect="1"/>
-          </p:cNvPicPr>
-          <p:nvPr/>
-        </p:nvPicPr>
-        <p:blipFill>
-          <a:blip r:embed="rId3">
-            <a:extLst>
-              <a:ext uri="{28A0092B-C50C-407E-A947-70E740481C1C}">
-                <a14:useLocalDpi xmlns:a14="http://schemas.microsoft.com/office/drawing/2010/main" val="0"/>
-              </a:ext>
-            </a:extLst>
-          </a:blip>
-          <a:stretch>
-            <a:fillRect/>
-          </a:stretch>
-        </p:blipFill>
-        <p:spPr>
-          <a:xfrm>
-            <a:off x="6838269" y="2543882"/>
-            <a:ext cx="5289653" cy="4131467"/>
-          </a:xfrm>
-          <a:prstGeom prst="rect">
-            <a:avLst/>
-          </a:prstGeom>
-        </p:spPr>
-      </p:pic>
       <p:pic>
         <p:nvPicPr>
           <p:cNvPr id="15" name="그림 14">
@@ -10207,14 +10163,14 @@
           <p:nvPr/>
         </p:nvPicPr>
         <p:blipFill>
-          <a:blip r:embed="rId4"/>
+          <a:blip r:embed="rId5"/>
           <a:stretch>
             <a:fillRect/>
           </a:stretch>
         </p:blipFill>
         <p:spPr>
           <a:xfrm>
-            <a:off x="1232050" y="3879544"/>
+            <a:off x="1043158" y="4038301"/>
             <a:ext cx="5478547" cy="2671518"/>
           </a:xfrm>
           <a:prstGeom prst="rect">
@@ -10419,7 +10375,7 @@
                                           </p:stCondLst>
                                         </p:cTn>
                                         <p:tgtEl>
-                                          <p:spTgt spid="11"/>
+                                          <p:spTgt spid="4"/>
                                         </p:tgtEl>
                                         <p:attrNameLst>
                                           <p:attrName>style.visibility</p:attrName>
@@ -10464,7 +10420,7 @@
                                           </p:stCondLst>
                                         </p:cTn>
                                         <p:tgtEl>
-                                          <p:spTgt spid="13"/>
+                                          <p:spTgt spid="11"/>
                                         </p:tgtEl>
                                         <p:attrNameLst>
                                           <p:attrName>style.visibility</p:attrName>
@@ -10504,6 +10460,51 @@
                                     <p:set>
                                       <p:cBhvr>
                                         <p:cTn id="14" dur="1" fill="hold">
+                                          <p:stCondLst>
+                                            <p:cond delay="0"/>
+                                          </p:stCondLst>
+                                        </p:cTn>
+                                        <p:tgtEl>
+                                          <p:spTgt spid="13"/>
+                                        </p:tgtEl>
+                                        <p:attrNameLst>
+                                          <p:attrName>style.visibility</p:attrName>
+                                        </p:attrNameLst>
+                                      </p:cBhvr>
+                                      <p:to>
+                                        <p:strVal val="visible"/>
+                                      </p:to>
+                                    </p:set>
+                                  </p:childTnLst>
+                                </p:cTn>
+                              </p:par>
+                            </p:childTnLst>
+                          </p:cTn>
+                        </p:par>
+                      </p:childTnLst>
+                    </p:cTn>
+                  </p:par>
+                  <p:par>
+                    <p:cTn id="15" fill="hold">
+                      <p:stCondLst>
+                        <p:cond delay="indefinite"/>
+                      </p:stCondLst>
+                      <p:childTnLst>
+                        <p:par>
+                          <p:cTn id="16" fill="hold">
+                            <p:stCondLst>
+                              <p:cond delay="0"/>
+                            </p:stCondLst>
+                            <p:childTnLst>
+                              <p:par>
+                                <p:cTn id="17" presetID="1" presetClass="entr" presetSubtype="0" fill="hold" nodeType="clickEffect">
+                                  <p:stCondLst>
+                                    <p:cond delay="0"/>
+                                  </p:stCondLst>
+                                  <p:childTnLst>
+                                    <p:set>
+                                      <p:cBhvr>
+                                        <p:cTn id="18" dur="1" fill="hold">
                                           <p:stCondLst>
                                             <p:cond delay="0"/>
                                           </p:stCondLst>
